--- a/poster_PA_LESI_LojaSocial.pptx
+++ b/poster_PA_LESI_LojaSocial.pptx
@@ -116,6 +116,51 @@
 <p:cmAuthorLst xmlns:a="http://schemas.openxmlformats.org/drawingml/2006/main" xmlns:r="http://schemas.openxmlformats.org/officeDocument/2006/relationships" xmlns:p="http://schemas.openxmlformats.org/presentationml/2006/main">
   <p:cmAuthor id="0" name="Alberto Simoes" initials="AS" lastIdx="1" clrIdx="0"/>
 </p:cmAuthorLst>
+</file>
+
+<file path=ppt/revisionInfo.xml><?xml version="1.0" encoding="utf-8"?>
+<p1510:revInfo xmlns:a="http://schemas.openxmlformats.org/drawingml/2006/main" xmlns:r="http://schemas.openxmlformats.org/officeDocument/2006/relationships" xmlns:p1510="http://schemas.microsoft.com/office/powerpoint/2015/10/main">
+  <p1510:revLst>
+    <p1510:client id="{90CE2BF4-ED01-46C2-A95D-14F4E730C156}" v="2" dt="2025-01-09T17:47:07.432"/>
+  </p1510:revLst>
+</p1510:revInfo>
+</file>
+
+<file path=ppt/changesInfos/changesInfo1.xml><?xml version="1.0" encoding="utf-8"?>
+<pc:chgInfo xmlns:a="http://schemas.openxmlformats.org/drawingml/2006/main" xmlns:r="http://schemas.openxmlformats.org/officeDocument/2006/relationships" xmlns:ac="http://schemas.microsoft.com/office/drawing/2013/main/command" xmlns:pc="http://schemas.microsoft.com/office/powerpoint/2013/main/command">
+  <pc:docChgLst>
+    <pc:chgData name="João Cunha" userId="7dd2f168bb4c501d" providerId="LiveId" clId="{90CE2BF4-ED01-46C2-A95D-14F4E730C156}"/>
+    <pc:docChg chg="custSel modSld">
+      <pc:chgData name="João Cunha" userId="7dd2f168bb4c501d" providerId="LiveId" clId="{90CE2BF4-ED01-46C2-A95D-14F4E730C156}" dt="2025-01-09T17:47:14.432" v="139" actId="20577"/>
+      <pc:docMkLst>
+        <pc:docMk/>
+      </pc:docMkLst>
+      <pc:sldChg chg="modSp mod">
+        <pc:chgData name="João Cunha" userId="7dd2f168bb4c501d" providerId="LiveId" clId="{90CE2BF4-ED01-46C2-A95D-14F4E730C156}" dt="2025-01-09T17:47:14.432" v="139" actId="20577"/>
+        <pc:sldMkLst>
+          <pc:docMk/>
+          <pc:sldMk cId="0" sldId="256"/>
+        </pc:sldMkLst>
+        <pc:spChg chg="mod">
+          <ac:chgData name="João Cunha" userId="7dd2f168bb4c501d" providerId="LiveId" clId="{90CE2BF4-ED01-46C2-A95D-14F4E730C156}" dt="2025-01-09T00:32:03.739" v="0" actId="313"/>
+          <ac:spMkLst>
+            <pc:docMk/>
+            <pc:sldMk cId="0" sldId="256"/>
+            <ac:spMk id="64" creationId="{00000000-0000-0000-0000-000000000000}"/>
+          </ac:spMkLst>
+        </pc:spChg>
+        <pc:spChg chg="mod">
+          <ac:chgData name="João Cunha" userId="7dd2f168bb4c501d" providerId="LiveId" clId="{90CE2BF4-ED01-46C2-A95D-14F4E730C156}" dt="2025-01-09T17:47:14.432" v="139" actId="20577"/>
+          <ac:spMkLst>
+            <pc:docMk/>
+            <pc:sldMk cId="0" sldId="256"/>
+            <ac:spMk id="66" creationId="{00000000-0000-0000-0000-000000000000}"/>
+          </ac:spMkLst>
+        </pc:spChg>
+      </pc:sldChg>
+    </pc:docChg>
+  </pc:docChgLst>
+</pc:chgInfo>
 </file>
 
 <file path=ppt/slideLayouts/slideLayout1.xml><?xml version="1.0" encoding="utf-8"?>
@@ -4391,16 +4436,7 @@
                 </a:solidFill>
                 <a:latin typeface="Calibri"/>
               </a:rPr>
-              <a:t> in Engenharia de Sistemas </a:t>
-            </a:r>
-            <a:r>
-              <a:rPr lang="pt-PT" sz="3200" b="0" i="1" strike="noStrike" spc="-1" dirty="0" err="1">
-                <a:solidFill>
-                  <a:srgbClr val="004B87"/>
-                </a:solidFill>
-                <a:latin typeface="Calibri"/>
-              </a:rPr>
-              <a:t>Informaticos</a:t>
+              <a:t> in Engenharia de Sistemas Informáticos</a:t>
             </a:r>
             <a:endParaRPr lang="en-US" sz="3200" b="0" strike="noStrike" spc="-1" dirty="0">
               <a:latin typeface="Arial"/>
@@ -4537,7 +4573,7 @@
         <p:spPr>
           <a:xfrm>
             <a:off x="7955280" y="28254960"/>
-            <a:ext cx="6583680" cy="630899"/>
+            <a:ext cx="6583680" cy="1245041"/>
           </a:xfrm>
           <a:prstGeom prst="rect">
             <a:avLst/>
@@ -4597,6 +4633,16 @@
               </a:spcAft>
             </a:pPr>
             <a:r>
+              <a:rPr lang="en-GB" spc="-1" dirty="0">
+                <a:solidFill>
+                  <a:srgbClr val="004B87"/>
+                </a:solidFill>
+                <a:latin typeface="Calibri"/>
+                <a:ea typeface="Arial"/>
+              </a:rPr>
+              <a:t>a23519@alunos.ipca.pt</a:t>
+            </a:r>
+            <a:r>
               <a:rPr lang="en-GB" sz="1800" b="0" strike="noStrike" spc="-1" dirty="0">
                 <a:solidFill>
                   <a:srgbClr val="004B87"/>
@@ -4604,7 +4650,103 @@
                 <a:latin typeface="Calibri"/>
                 <a:ea typeface="Arial"/>
               </a:rPr>
-              <a:t>Email1 (student)</a:t>
+              <a:t> (</a:t>
+            </a:r>
+            <a:r>
+              <a:rPr lang="en-GB" spc="-1" dirty="0">
+                <a:solidFill>
+                  <a:srgbClr val="004B87"/>
+                </a:solidFill>
+                <a:latin typeface="Calibri"/>
+                <a:ea typeface="Arial"/>
+              </a:rPr>
+              <a:t>João Cunha</a:t>
+            </a:r>
+            <a:r>
+              <a:rPr lang="en-GB" sz="1800" b="0" strike="noStrike" spc="-1" dirty="0">
+                <a:solidFill>
+                  <a:srgbClr val="004B87"/>
+                </a:solidFill>
+                <a:latin typeface="Calibri"/>
+                <a:ea typeface="Arial"/>
+              </a:rPr>
+              <a:t>)</a:t>
+            </a:r>
+          </a:p>
+          <a:p>
+            <a:pPr>
+              <a:lnSpc>
+                <a:spcPts val="1760"/>
+              </a:lnSpc>
+              <a:spcAft>
+                <a:spcPts val="601"/>
+              </a:spcAft>
+            </a:pPr>
+            <a:r>
+              <a:rPr lang="en-GB" spc="-1" dirty="0">
+                <a:solidFill>
+                  <a:srgbClr val="004B87"/>
+                </a:solidFill>
+                <a:latin typeface="Calibri"/>
+                <a:hlinkClick r:id="rId3"/>
+              </a:rPr>
+              <a:t>a23502@alunos.ipca.pt (Manuel</a:t>
+            </a:r>
+            <a:r>
+              <a:rPr lang="en-GB" spc="-1" dirty="0">
+                <a:solidFill>
+                  <a:srgbClr val="004B87"/>
+                </a:solidFill>
+                <a:latin typeface="Calibri"/>
+              </a:rPr>
+              <a:t> Fernandes)</a:t>
+            </a:r>
+          </a:p>
+          <a:p>
+            <a:pPr>
+              <a:lnSpc>
+                <a:spcPts val="1760"/>
+              </a:lnSpc>
+              <a:spcAft>
+                <a:spcPts val="601"/>
+              </a:spcAft>
+            </a:pPr>
+            <a:r>
+              <a:rPr lang="en-GB" sz="1800" b="0" strike="noStrike" spc="-1" dirty="0">
+                <a:solidFill>
+                  <a:srgbClr val="004B87"/>
+                </a:solidFill>
+                <a:latin typeface="Calibri"/>
+                <a:hlinkClick r:id="rId4"/>
+              </a:rPr>
+              <a:t>a23510@alunos.ipca.pt (Guilherme</a:t>
+            </a:r>
+            <a:r>
+              <a:rPr lang="en-GB" sz="1800" b="0" strike="noStrike" spc="-1" dirty="0">
+                <a:solidFill>
+                  <a:srgbClr val="004B87"/>
+                </a:solidFill>
+                <a:latin typeface="Calibri"/>
+              </a:rPr>
+              <a:t> </a:t>
+            </a:r>
+            <a:r>
+              <a:rPr lang="en-GB" sz="1800" b="0" strike="noStrike" spc="-1" dirty="0" err="1">
+                <a:solidFill>
+                  <a:srgbClr val="004B87"/>
+                </a:solidFill>
+                <a:latin typeface="Calibri"/>
+              </a:rPr>
+              <a:t>Azeredo</a:t>
+            </a:r>
+            <a:r>
+              <a:rPr lang="en-GB" sz="1800" b="0" strike="noStrike" spc="-1" dirty="0">
+                <a:solidFill>
+                  <a:srgbClr val="004B87"/>
+                </a:solidFill>
+                <a:latin typeface="Calibri"/>
+              </a:rPr>
+              <a:t>)</a:t>
             </a:r>
             <a:endParaRPr lang="en-US" sz="1800" b="0" strike="noStrike" spc="-1" dirty="0">
               <a:latin typeface="Arial"/>
@@ -4711,7 +4853,7 @@
               </a:lnSpc>
               <a:buSzPct val="100000"/>
               <a:buBlip>
-                <a:blip r:embed="rId3"/>
+                <a:blip r:embed="rId5"/>
               </a:buBlip>
             </a:pPr>
             <a:r>
@@ -4752,7 +4894,7 @@
               </a:lnSpc>
               <a:buSzPct val="100000"/>
               <a:buBlip>
-                <a:blip r:embed="rId3"/>
+                <a:blip r:embed="rId5"/>
               </a:buBlip>
             </a:pPr>
             <a:r>
@@ -4804,7 +4946,7 @@
               </a:lnSpc>
               <a:buSzPct val="100000"/>
               <a:buBlip>
-                <a:blip r:embed="rId3"/>
+                <a:blip r:embed="rId5"/>
               </a:buBlip>
             </a:pPr>
             <a:r>
@@ -4826,7 +4968,7 @@
               </a:lnSpc>
               <a:buSzPct val="100000"/>
               <a:buBlip>
-                <a:blip r:embed="rId3"/>
+                <a:blip r:embed="rId5"/>
               </a:buBlip>
             </a:pPr>
             <a:r>
@@ -4880,100 +5022,6 @@
             <a:extLst>
               <a:ext uri="{FF2B5EF4-FFF2-40B4-BE49-F238E27FC236}">
                 <a16:creationId xmlns:a16="http://schemas.microsoft.com/office/drawing/2014/main" id="{9DD1D504-6020-0873-5BEA-D8813278D5E2}"/>
-              </a:ext>
-            </a:extLst>
-          </p:cNvPr>
-          <p:cNvPicPr>
-            <a:picLocks noChangeAspect="1" noChangeArrowheads="1"/>
-          </p:cNvPicPr>
-          <p:nvPr/>
-        </p:nvPicPr>
-        <p:blipFill>
-          <a:blip r:embed="rId4">
-            <a:extLst>
-              <a:ext uri="{28A0092B-C50C-407E-A947-70E740481C1C}">
-                <a14:useLocalDpi xmlns:a14="http://schemas.microsoft.com/office/drawing/2010/main" val="0"/>
-              </a:ext>
-            </a:extLst>
-          </a:blip>
-          <a:srcRect/>
-          <a:stretch>
-            <a:fillRect/>
-          </a:stretch>
-        </p:blipFill>
-        <p:spPr bwMode="auto">
-          <a:xfrm>
-            <a:off x="1161001" y="5799240"/>
-            <a:ext cx="6010920" cy="4330722"/>
-          </a:xfrm>
-          <a:prstGeom prst="rect">
-            <a:avLst/>
-          </a:prstGeom>
-          <a:noFill/>
-          <a:extLst>
-            <a:ext uri="{909E8E84-426E-40DD-AFC4-6F175D3DCCD1}">
-              <a14:hiddenFill xmlns:a14="http://schemas.microsoft.com/office/drawing/2010/main">
-                <a:solidFill>
-                  <a:srgbClr val="FFFFFF"/>
-                </a:solidFill>
-              </a14:hiddenFill>
-            </a:ext>
-          </a:extLst>
-        </p:spPr>
-      </p:pic>
-      <p:pic>
-        <p:nvPicPr>
-          <p:cNvPr id="1030" name="Picture 6" descr="Android Studio icon in SVG, PNG formats">
-            <a:extLst>
-              <a:ext uri="{FF2B5EF4-FFF2-40B4-BE49-F238E27FC236}">
-                <a16:creationId xmlns:a16="http://schemas.microsoft.com/office/drawing/2014/main" id="{A7A1ACA7-45AD-8188-FE84-01887E398580}"/>
-              </a:ext>
-            </a:extLst>
-          </p:cNvPr>
-          <p:cNvPicPr>
-            <a:picLocks noChangeAspect="1" noChangeArrowheads="1"/>
-          </p:cNvPicPr>
-          <p:nvPr/>
-        </p:nvPicPr>
-        <p:blipFill>
-          <a:blip r:embed="rId5">
-            <a:extLst>
-              <a:ext uri="{28A0092B-C50C-407E-A947-70E740481C1C}">
-                <a14:useLocalDpi xmlns:a14="http://schemas.microsoft.com/office/drawing/2010/main" val="0"/>
-              </a:ext>
-            </a:extLst>
-          </a:blip>
-          <a:srcRect/>
-          <a:stretch>
-            <a:fillRect/>
-          </a:stretch>
-        </p:blipFill>
-        <p:spPr bwMode="auto">
-          <a:xfrm>
-            <a:off x="8408160" y="15775758"/>
-            <a:ext cx="2140267" cy="2140267"/>
-          </a:xfrm>
-          <a:prstGeom prst="rect">
-            <a:avLst/>
-          </a:prstGeom>
-          <a:noFill/>
-          <a:extLst>
-            <a:ext uri="{909E8E84-426E-40DD-AFC4-6F175D3DCCD1}">
-              <a14:hiddenFill xmlns:a14="http://schemas.microsoft.com/office/drawing/2010/main">
-                <a:solidFill>
-                  <a:srgbClr val="FFFFFF"/>
-                </a:solidFill>
-              </a14:hiddenFill>
-            </a:ext>
-          </a:extLst>
-        </p:spPr>
-      </p:pic>
-      <p:pic>
-        <p:nvPicPr>
-          <p:cNvPr id="1036" name="Picture 12">
-            <a:extLst>
-              <a:ext uri="{FF2B5EF4-FFF2-40B4-BE49-F238E27FC236}">
-                <a16:creationId xmlns:a16="http://schemas.microsoft.com/office/drawing/2014/main" id="{CD90FAFB-2C37-C00F-9FFE-2040FBF3033D}"/>
               </a:ext>
             </a:extLst>
           </p:cNvPr>
@@ -4997,6 +5045,100 @@
         </p:blipFill>
         <p:spPr bwMode="auto">
           <a:xfrm>
+            <a:off x="1161001" y="5799240"/>
+            <a:ext cx="6010920" cy="4330722"/>
+          </a:xfrm>
+          <a:prstGeom prst="rect">
+            <a:avLst/>
+          </a:prstGeom>
+          <a:noFill/>
+          <a:extLst>
+            <a:ext uri="{909E8E84-426E-40DD-AFC4-6F175D3DCCD1}">
+              <a14:hiddenFill xmlns:a14="http://schemas.microsoft.com/office/drawing/2010/main">
+                <a:solidFill>
+                  <a:srgbClr val="FFFFFF"/>
+                </a:solidFill>
+              </a14:hiddenFill>
+            </a:ext>
+          </a:extLst>
+        </p:spPr>
+      </p:pic>
+      <p:pic>
+        <p:nvPicPr>
+          <p:cNvPr id="1030" name="Picture 6" descr="Android Studio icon in SVG, PNG formats">
+            <a:extLst>
+              <a:ext uri="{FF2B5EF4-FFF2-40B4-BE49-F238E27FC236}">
+                <a16:creationId xmlns:a16="http://schemas.microsoft.com/office/drawing/2014/main" id="{A7A1ACA7-45AD-8188-FE84-01887E398580}"/>
+              </a:ext>
+            </a:extLst>
+          </p:cNvPr>
+          <p:cNvPicPr>
+            <a:picLocks noChangeAspect="1" noChangeArrowheads="1"/>
+          </p:cNvPicPr>
+          <p:nvPr/>
+        </p:nvPicPr>
+        <p:blipFill>
+          <a:blip r:embed="rId7">
+            <a:extLst>
+              <a:ext uri="{28A0092B-C50C-407E-A947-70E740481C1C}">
+                <a14:useLocalDpi xmlns:a14="http://schemas.microsoft.com/office/drawing/2010/main" val="0"/>
+              </a:ext>
+            </a:extLst>
+          </a:blip>
+          <a:srcRect/>
+          <a:stretch>
+            <a:fillRect/>
+          </a:stretch>
+        </p:blipFill>
+        <p:spPr bwMode="auto">
+          <a:xfrm>
+            <a:off x="8408160" y="15775758"/>
+            <a:ext cx="2140267" cy="2140267"/>
+          </a:xfrm>
+          <a:prstGeom prst="rect">
+            <a:avLst/>
+          </a:prstGeom>
+          <a:noFill/>
+          <a:extLst>
+            <a:ext uri="{909E8E84-426E-40DD-AFC4-6F175D3DCCD1}">
+              <a14:hiddenFill xmlns:a14="http://schemas.microsoft.com/office/drawing/2010/main">
+                <a:solidFill>
+                  <a:srgbClr val="FFFFFF"/>
+                </a:solidFill>
+              </a14:hiddenFill>
+            </a:ext>
+          </a:extLst>
+        </p:spPr>
+      </p:pic>
+      <p:pic>
+        <p:nvPicPr>
+          <p:cNvPr id="1036" name="Picture 12">
+            <a:extLst>
+              <a:ext uri="{FF2B5EF4-FFF2-40B4-BE49-F238E27FC236}">
+                <a16:creationId xmlns:a16="http://schemas.microsoft.com/office/drawing/2014/main" id="{CD90FAFB-2C37-C00F-9FFE-2040FBF3033D}"/>
+              </a:ext>
+            </a:extLst>
+          </p:cNvPr>
+          <p:cNvPicPr>
+            <a:picLocks noChangeAspect="1" noChangeArrowheads="1"/>
+          </p:cNvPicPr>
+          <p:nvPr/>
+        </p:nvPicPr>
+        <p:blipFill>
+          <a:blip r:embed="rId8">
+            <a:extLst>
+              <a:ext uri="{28A0092B-C50C-407E-A947-70E740481C1C}">
+                <a14:useLocalDpi xmlns:a14="http://schemas.microsoft.com/office/drawing/2010/main" val="0"/>
+              </a:ext>
+            </a:extLst>
+          </a:blip>
+          <a:srcRect/>
+          <a:stretch>
+            <a:fillRect/>
+          </a:stretch>
+        </p:blipFill>
+        <p:spPr bwMode="auto">
+          <a:xfrm>
             <a:off x="11627588" y="16351888"/>
             <a:ext cx="4038600" cy="1133475"/>
           </a:xfrm>
@@ -5030,7 +5172,7 @@
           <p:nvPr/>
         </p:nvPicPr>
         <p:blipFill>
-          <a:blip r:embed="rId7">
+          <a:blip r:embed="rId9">
             <a:extLst>
               <a:ext uri="{28A0092B-C50C-407E-A947-70E740481C1C}">
                 <a14:useLocalDpi xmlns:a14="http://schemas.microsoft.com/office/drawing/2010/main" val="0"/>
